--- a/_site/content/Week07/worksheet.pptx
+++ b/_site/content/Week07/worksheet.pptx
@@ -5909,6 +5909,10 @@
             <a:pPr lvl="0" indent="0" marL="1270000">
               <a:buNone/>
             </a:pPr>
+            <a:r>
+              <a:rPr sz="2000" b="1"/>
+              <a:t>None</a:t>
+            </a:r>
           </a:p>
           <a:p>
             <a:pPr lvl="0"/>
@@ -6173,6 +6177,10 @@
             <a:pPr lvl="0" indent="0" marL="1270000">
               <a:buNone/>
             </a:pPr>
+            <a:r>
+              <a:rPr sz="2000" b="1"/>
+              <a:t>None</a:t>
+            </a:r>
           </a:p>
           <a:p>
             <a:pPr lvl="0" indent="0" marL="1270000">
@@ -7189,6 +7197,10 @@
             <a:pPr lvl="0" indent="0" marL="1270000">
               <a:buNone/>
             </a:pPr>
+            <a:r>
+              <a:rPr sz="2000" b="1"/>
+              <a:t>None</a:t>
+            </a:r>
           </a:p>
           <a:p>
             <a:pPr lvl="0" indent="0" marL="1270000">
